--- a/_TEAM/11주차_최단경로알고리즘/최단경로알고리즘.pptx
+++ b/_TEAM/11주차_최단경로알고리즘/최단경로알고리즘.pptx
@@ -231,7 +231,7 @@
           <a:p>
             <a:fld id="{AFFAEDA3-0801-4BD3-8682-8FC4738E85E6}" type="datetimeFigureOut">
               <a:rPr lang="ko-KR" altLang="en-US" smtClean="0"/>
-              <a:t>2022-04-06</a:t>
+              <a:t>2022-04-07</a:t>
             </a:fld>
             <a:endParaRPr lang="ko-KR" altLang="en-US"/>
           </a:p>
@@ -729,7 +729,7 @@
           <a:p>
             <a:fld id="{6BE05B95-7804-45CF-93C6-D2C27629975E}" type="datetimeFigureOut">
               <a:rPr lang="ko-KR" altLang="en-US" smtClean="0"/>
-              <a:t>2022-04-06</a:t>
+              <a:t>2022-04-07</a:t>
             </a:fld>
             <a:endParaRPr lang="ko-KR" altLang="en-US"/>
           </a:p>
@@ -927,7 +927,7 @@
           <a:p>
             <a:fld id="{6BE05B95-7804-45CF-93C6-D2C27629975E}" type="datetimeFigureOut">
               <a:rPr lang="ko-KR" altLang="en-US" smtClean="0"/>
-              <a:t>2022-04-06</a:t>
+              <a:t>2022-04-07</a:t>
             </a:fld>
             <a:endParaRPr lang="ko-KR" altLang="en-US"/>
           </a:p>
@@ -1135,7 +1135,7 @@
           <a:p>
             <a:fld id="{6BE05B95-7804-45CF-93C6-D2C27629975E}" type="datetimeFigureOut">
               <a:rPr lang="ko-KR" altLang="en-US" smtClean="0"/>
-              <a:t>2022-04-06</a:t>
+              <a:t>2022-04-07</a:t>
             </a:fld>
             <a:endParaRPr lang="ko-KR" altLang="en-US"/>
           </a:p>
@@ -1333,7 +1333,7 @@
           <a:p>
             <a:fld id="{6BE05B95-7804-45CF-93C6-D2C27629975E}" type="datetimeFigureOut">
               <a:rPr lang="ko-KR" altLang="en-US" smtClean="0"/>
-              <a:t>2022-04-06</a:t>
+              <a:t>2022-04-07</a:t>
             </a:fld>
             <a:endParaRPr lang="ko-KR" altLang="en-US"/>
           </a:p>
@@ -1608,7 +1608,7 @@
           <a:p>
             <a:fld id="{6BE05B95-7804-45CF-93C6-D2C27629975E}" type="datetimeFigureOut">
               <a:rPr lang="ko-KR" altLang="en-US" smtClean="0"/>
-              <a:t>2022-04-06</a:t>
+              <a:t>2022-04-07</a:t>
             </a:fld>
             <a:endParaRPr lang="ko-KR" altLang="en-US"/>
           </a:p>
@@ -1873,7 +1873,7 @@
           <a:p>
             <a:fld id="{6BE05B95-7804-45CF-93C6-D2C27629975E}" type="datetimeFigureOut">
               <a:rPr lang="ko-KR" altLang="en-US" smtClean="0"/>
-              <a:t>2022-04-06</a:t>
+              <a:t>2022-04-07</a:t>
             </a:fld>
             <a:endParaRPr lang="ko-KR" altLang="en-US"/>
           </a:p>
@@ -2285,7 +2285,7 @@
           <a:p>
             <a:fld id="{6BE05B95-7804-45CF-93C6-D2C27629975E}" type="datetimeFigureOut">
               <a:rPr lang="ko-KR" altLang="en-US" smtClean="0"/>
-              <a:t>2022-04-06</a:t>
+              <a:t>2022-04-07</a:t>
             </a:fld>
             <a:endParaRPr lang="ko-KR" altLang="en-US"/>
           </a:p>
@@ -2426,7 +2426,7 @@
           <a:p>
             <a:fld id="{6BE05B95-7804-45CF-93C6-D2C27629975E}" type="datetimeFigureOut">
               <a:rPr lang="ko-KR" altLang="en-US" smtClean="0"/>
-              <a:t>2022-04-06</a:t>
+              <a:t>2022-04-07</a:t>
             </a:fld>
             <a:endParaRPr lang="ko-KR" altLang="en-US"/>
           </a:p>
@@ -2539,7 +2539,7 @@
           <a:p>
             <a:fld id="{6BE05B95-7804-45CF-93C6-D2C27629975E}" type="datetimeFigureOut">
               <a:rPr lang="ko-KR" altLang="en-US" smtClean="0"/>
-              <a:t>2022-04-06</a:t>
+              <a:t>2022-04-07</a:t>
             </a:fld>
             <a:endParaRPr lang="ko-KR" altLang="en-US"/>
           </a:p>
@@ -2850,7 +2850,7 @@
           <a:p>
             <a:fld id="{6BE05B95-7804-45CF-93C6-D2C27629975E}" type="datetimeFigureOut">
               <a:rPr lang="ko-KR" altLang="en-US" smtClean="0"/>
-              <a:t>2022-04-06</a:t>
+              <a:t>2022-04-07</a:t>
             </a:fld>
             <a:endParaRPr lang="ko-KR" altLang="en-US"/>
           </a:p>
@@ -3138,7 +3138,7 @@
           <a:p>
             <a:fld id="{6BE05B95-7804-45CF-93C6-D2C27629975E}" type="datetimeFigureOut">
               <a:rPr lang="ko-KR" altLang="en-US" smtClean="0"/>
-              <a:t>2022-04-06</a:t>
+              <a:t>2022-04-07</a:t>
             </a:fld>
             <a:endParaRPr lang="ko-KR" altLang="en-US"/>
           </a:p>
@@ -3379,7 +3379,7 @@
           <a:p>
             <a:fld id="{6BE05B95-7804-45CF-93C6-D2C27629975E}" type="datetimeFigureOut">
               <a:rPr lang="ko-KR" altLang="en-US" smtClean="0"/>
-              <a:t>2022-04-06</a:t>
+              <a:t>2022-04-07</a:t>
             </a:fld>
             <a:endParaRPr lang="ko-KR" altLang="en-US"/>
           </a:p>
@@ -11980,7 +11980,7 @@
                 <a:latin typeface="배달의민족 주아" panose="02020603020101020101" pitchFamily="18" charset="-127"/>
                 <a:ea typeface="배달의민족 주아" panose="02020603020101020101" pitchFamily="18" charset="-127"/>
               </a:rPr>
-              <a:t>a</a:t>
+              <a:t>next</a:t>
             </a:r>
             <a:r>
               <a:rPr lang="en-US" altLang="ko-KR" sz="2000" b="0" i="0" dirty="0">
@@ -11991,7 +11991,7 @@
                 <a:latin typeface="배달의민족 주아" panose="02020603020101020101" pitchFamily="18" charset="-127"/>
                 <a:ea typeface="배달의민족 주아" panose="02020603020101020101" pitchFamily="18" charset="-127"/>
               </a:rPr>
-              <a:t>][</a:t>
+              <a:t>]&gt;</a:t>
             </a:r>
             <a:r>
               <a:rPr lang="en-US" altLang="ko-KR" sz="2000" b="0" i="1" dirty="0">
@@ -12002,7 +12002,7 @@
                 <a:latin typeface="배달의민족 주아" panose="02020603020101020101" pitchFamily="18" charset="-127"/>
                 <a:ea typeface="배달의민족 주아" panose="02020603020101020101" pitchFamily="18" charset="-127"/>
               </a:rPr>
-              <a:t>c</a:t>
+              <a:t>distance</a:t>
             </a:r>
             <a:r>
               <a:rPr lang="en-US" altLang="ko-KR" sz="2000" b="0" i="0" dirty="0">
@@ -12013,18 +12013,38 @@
                 <a:latin typeface="배달의민족 주아" panose="02020603020101020101" pitchFamily="18" charset="-127"/>
                 <a:ea typeface="배달의민족 주아" panose="02020603020101020101" pitchFamily="18" charset="-127"/>
               </a:rPr>
-              <a:t>]&gt;</a:t>
-            </a:r>
-            <a:r>
-              <a:rPr lang="en-US" altLang="ko-KR" sz="2000" b="0" i="1" dirty="0">
+              <a:t>[</a:t>
+            </a:r>
+            <a:r>
+              <a:rPr lang="en-US" altLang="ko-KR" sz="2000" i="1" dirty="0">
                 <a:solidFill>
                   <a:srgbClr val="FF0000"/>
                 </a:solidFill>
+                <a:latin typeface="배달의민족 주아" panose="02020603020101020101" pitchFamily="18" charset="-127"/>
+                <a:ea typeface="배달의민족 주아" panose="02020603020101020101" pitchFamily="18" charset="-127"/>
+              </a:rPr>
+              <a:t>current</a:t>
+            </a:r>
+            <a:r>
+              <a:rPr lang="en-US" altLang="ko-KR" sz="2000" b="0" i="0" dirty="0">
+                <a:solidFill>
+                  <a:srgbClr val="FF0000"/>
+                </a:solidFill>
                 <a:effectLst/>
                 <a:latin typeface="배달의민족 주아" panose="02020603020101020101" pitchFamily="18" charset="-127"/>
                 <a:ea typeface="배달의민족 주아" panose="02020603020101020101" pitchFamily="18" charset="-127"/>
               </a:rPr>
-              <a:t>distance</a:t>
+              <a:t>]+</a:t>
+            </a:r>
+            <a:r>
+              <a:rPr lang="en-US" altLang="ko-KR" sz="2000" i="1" dirty="0">
+                <a:solidFill>
+                  <a:srgbClr val="FF0000"/>
+                </a:solidFill>
+                <a:latin typeface="배달의민족 주아" panose="02020603020101020101" pitchFamily="18" charset="-127"/>
+                <a:ea typeface="배달의민족 주아" panose="02020603020101020101" pitchFamily="18" charset="-127"/>
+              </a:rPr>
+              <a:t>cost(current-&gt;next)</a:t>
             </a:r>
             <a:r>
               <a:rPr lang="en-US" altLang="ko-KR" sz="2000" b="0" i="0" dirty="0">
@@ -12035,117 +12055,7 @@
                 <a:latin typeface="배달의민족 주아" panose="02020603020101020101" pitchFamily="18" charset="-127"/>
                 <a:ea typeface="배달의민족 주아" panose="02020603020101020101" pitchFamily="18" charset="-127"/>
               </a:rPr>
-              <a:t>[</a:t>
-            </a:r>
-            <a:r>
-              <a:rPr lang="en-US" altLang="ko-KR" sz="2000" b="0" i="1" dirty="0">
-                <a:solidFill>
-                  <a:srgbClr val="FF0000"/>
-                </a:solidFill>
-                <a:effectLst/>
-                <a:latin typeface="배달의민족 주아" panose="02020603020101020101" pitchFamily="18" charset="-127"/>
-                <a:ea typeface="배달의민족 주아" panose="02020603020101020101" pitchFamily="18" charset="-127"/>
-              </a:rPr>
-              <a:t>a</a:t>
-            </a:r>
-            <a:r>
-              <a:rPr lang="en-US" altLang="ko-KR" sz="2000" b="0" i="0" dirty="0">
-                <a:solidFill>
-                  <a:srgbClr val="FF0000"/>
-                </a:solidFill>
-                <a:effectLst/>
-                <a:latin typeface="배달의민족 주아" panose="02020603020101020101" pitchFamily="18" charset="-127"/>
-                <a:ea typeface="배달의민족 주아" panose="02020603020101020101" pitchFamily="18" charset="-127"/>
-              </a:rPr>
-              <a:t>][</a:t>
-            </a:r>
-            <a:r>
-              <a:rPr lang="en-US" altLang="ko-KR" sz="2000" b="0" i="1" dirty="0">
-                <a:solidFill>
-                  <a:srgbClr val="FF0000"/>
-                </a:solidFill>
-                <a:effectLst/>
-                <a:latin typeface="배달의민족 주아" panose="02020603020101020101" pitchFamily="18" charset="-127"/>
-                <a:ea typeface="배달의민족 주아" panose="02020603020101020101" pitchFamily="18" charset="-127"/>
-              </a:rPr>
-              <a:t>b</a:t>
-            </a:r>
-            <a:r>
-              <a:rPr lang="en-US" altLang="ko-KR" sz="2000" b="0" i="0" dirty="0">
-                <a:solidFill>
-                  <a:srgbClr val="FF0000"/>
-                </a:solidFill>
-                <a:effectLst/>
-                <a:latin typeface="배달의민족 주아" panose="02020603020101020101" pitchFamily="18" charset="-127"/>
-                <a:ea typeface="배달의민족 주아" panose="02020603020101020101" pitchFamily="18" charset="-127"/>
-              </a:rPr>
-              <a:t>]+</a:t>
-            </a:r>
-            <a:r>
-              <a:rPr lang="en-US" altLang="ko-KR" sz="2000" b="0" i="1" dirty="0">
-                <a:solidFill>
-                  <a:srgbClr val="FF0000"/>
-                </a:solidFill>
-                <a:effectLst/>
-                <a:latin typeface="배달의민족 주아" panose="02020603020101020101" pitchFamily="18" charset="-127"/>
-                <a:ea typeface="배달의민족 주아" panose="02020603020101020101" pitchFamily="18" charset="-127"/>
-              </a:rPr>
-              <a:t>distance</a:t>
-            </a:r>
-            <a:r>
-              <a:rPr lang="en-US" altLang="ko-KR" sz="2000" b="0" i="0" dirty="0">
-                <a:solidFill>
-                  <a:srgbClr val="FF0000"/>
-                </a:solidFill>
-                <a:effectLst/>
-                <a:latin typeface="배달의민족 주아" panose="02020603020101020101" pitchFamily="18" charset="-127"/>
-                <a:ea typeface="배달의민족 주아" panose="02020603020101020101" pitchFamily="18" charset="-127"/>
-              </a:rPr>
-              <a:t>[</a:t>
-            </a:r>
-            <a:r>
-              <a:rPr lang="en-US" altLang="ko-KR" sz="2000" b="0" i="1" dirty="0">
-                <a:solidFill>
-                  <a:srgbClr val="FF0000"/>
-                </a:solidFill>
-                <a:effectLst/>
-                <a:latin typeface="배달의민족 주아" panose="02020603020101020101" pitchFamily="18" charset="-127"/>
-                <a:ea typeface="배달의민족 주아" panose="02020603020101020101" pitchFamily="18" charset="-127"/>
-              </a:rPr>
-              <a:t>b</a:t>
-            </a:r>
-            <a:r>
-              <a:rPr lang="en-US" altLang="ko-KR" sz="2000" b="0" i="0" dirty="0">
-                <a:solidFill>
-                  <a:srgbClr val="FF0000"/>
-                </a:solidFill>
-                <a:effectLst/>
-                <a:latin typeface="배달의민족 주아" panose="02020603020101020101" pitchFamily="18" charset="-127"/>
-                <a:ea typeface="배달의민족 주아" panose="02020603020101020101" pitchFamily="18" charset="-127"/>
-              </a:rPr>
-              <a:t>][</a:t>
-            </a:r>
-            <a:r>
-              <a:rPr lang="en-US" altLang="ko-KR" sz="2000" b="0" i="1" dirty="0">
-                <a:solidFill>
-                  <a:srgbClr val="FF0000"/>
-                </a:solidFill>
-                <a:effectLst/>
-                <a:latin typeface="배달의민족 주아" panose="02020603020101020101" pitchFamily="18" charset="-127"/>
-                <a:ea typeface="배달의민족 주아" panose="02020603020101020101" pitchFamily="18" charset="-127"/>
-              </a:rPr>
-              <a:t>c</a:t>
-            </a:r>
-            <a:r>
-              <a:rPr lang="en-US" altLang="ko-KR" sz="2000" b="0" i="0" dirty="0">
-                <a:solidFill>
-                  <a:srgbClr val="FF0000"/>
-                </a:solidFill>
-                <a:effectLst/>
-                <a:latin typeface="배달의민족 주아" panose="02020603020101020101" pitchFamily="18" charset="-127"/>
-                <a:ea typeface="배달의민족 주아" panose="02020603020101020101" pitchFamily="18" charset="-127"/>
-              </a:rPr>
-              <a:t>]) </a:t>
+              <a:t>) </a:t>
             </a:r>
             <a:br>
               <a:rPr lang="ko-KR" altLang="en-US" sz="2000" dirty="0">
@@ -12241,7 +12151,7 @@
                 <a:latin typeface="배달의민족 주아" panose="02020603020101020101" pitchFamily="18" charset="-127"/>
                 <a:ea typeface="배달의민족 주아" panose="02020603020101020101" pitchFamily="18" charset="-127"/>
               </a:rPr>
-              <a:t>distance</a:t>
+              <a:t> distance</a:t>
             </a:r>
             <a:r>
               <a:rPr lang="en-US" altLang="ko-KR" sz="2000" b="0" i="0" dirty="0">
@@ -12255,125 +12165,35 @@
               <a:t>[</a:t>
             </a:r>
             <a:r>
-              <a:rPr lang="en-US" altLang="ko-KR" sz="2000" b="0" i="1" dirty="0">
+              <a:rPr lang="en-US" altLang="ko-KR" sz="2000" i="1" dirty="0">
                 <a:solidFill>
                   <a:srgbClr val="FF0000"/>
                 </a:solidFill>
+                <a:latin typeface="배달의민족 주아" panose="02020603020101020101" pitchFamily="18" charset="-127"/>
+                <a:ea typeface="배달의민족 주아" panose="02020603020101020101" pitchFamily="18" charset="-127"/>
+              </a:rPr>
+              <a:t>current</a:t>
+            </a:r>
+            <a:r>
+              <a:rPr lang="en-US" altLang="ko-KR" sz="2000" b="0" i="0" dirty="0">
+                <a:solidFill>
+                  <a:srgbClr val="FF0000"/>
+                </a:solidFill>
                 <a:effectLst/>
                 <a:latin typeface="배달의민족 주아" panose="02020603020101020101" pitchFamily="18" charset="-127"/>
                 <a:ea typeface="배달의민족 주아" panose="02020603020101020101" pitchFamily="18" charset="-127"/>
               </a:rPr>
-              <a:t>a</a:t>
-            </a:r>
-            <a:r>
-              <a:rPr lang="en-US" altLang="ko-KR" sz="2000" b="0" i="0" dirty="0">
+              <a:t>]+</a:t>
+            </a:r>
+            <a:r>
+              <a:rPr lang="en-US" altLang="ko-KR" sz="2000" i="1" dirty="0">
                 <a:solidFill>
                   <a:srgbClr val="FF0000"/>
                 </a:solidFill>
-                <a:effectLst/>
-                <a:latin typeface="배달의민족 주아" panose="02020603020101020101" pitchFamily="18" charset="-127"/>
-                <a:ea typeface="배달의민족 주아" panose="02020603020101020101" pitchFamily="18" charset="-127"/>
-              </a:rPr>
-              <a:t>][</a:t>
-            </a:r>
-            <a:r>
-              <a:rPr lang="en-US" altLang="ko-KR" sz="2000" b="0" i="1" dirty="0">
-                <a:solidFill>
-                  <a:srgbClr val="FF0000"/>
-                </a:solidFill>
-                <a:effectLst/>
-                <a:latin typeface="배달의민족 주아" panose="02020603020101020101" pitchFamily="18" charset="-127"/>
-                <a:ea typeface="배달의민족 주아" panose="02020603020101020101" pitchFamily="18" charset="-127"/>
-              </a:rPr>
-              <a:t>b</a:t>
-            </a:r>
-            <a:r>
-              <a:rPr lang="en-US" altLang="ko-KR" sz="2000" b="0" i="0" dirty="0">
-                <a:solidFill>
-                  <a:srgbClr val="FF0000"/>
-                </a:solidFill>
-                <a:effectLst/>
-                <a:latin typeface="배달의민족 주아" panose="02020603020101020101" pitchFamily="18" charset="-127"/>
-                <a:ea typeface="배달의민족 주아" panose="02020603020101020101" pitchFamily="18" charset="-127"/>
-              </a:rPr>
-              <a:t>]+</a:t>
-            </a:r>
-            <a:r>
-              <a:rPr lang="en-US" altLang="ko-KR" sz="2000" b="0" i="1" dirty="0">
-                <a:solidFill>
-                  <a:srgbClr val="FF0000"/>
-                </a:solidFill>
-                <a:effectLst/>
-                <a:latin typeface="배달의민족 주아" panose="02020603020101020101" pitchFamily="18" charset="-127"/>
-                <a:ea typeface="배달의민족 주아" panose="02020603020101020101" pitchFamily="18" charset="-127"/>
-              </a:rPr>
-              <a:t>distance</a:t>
-            </a:r>
-            <a:r>
-              <a:rPr lang="en-US" altLang="ko-KR" sz="2000" b="0" i="0" dirty="0">
-                <a:solidFill>
-                  <a:srgbClr val="FF0000"/>
-                </a:solidFill>
-                <a:effectLst/>
-                <a:latin typeface="배달의민족 주아" panose="02020603020101020101" pitchFamily="18" charset="-127"/>
-                <a:ea typeface="배달의민족 주아" panose="02020603020101020101" pitchFamily="18" charset="-127"/>
-              </a:rPr>
-              <a:t>[</a:t>
-            </a:r>
-            <a:r>
-              <a:rPr lang="en-US" altLang="ko-KR" sz="2000" b="0" i="1" dirty="0">
-                <a:solidFill>
-                  <a:srgbClr val="FF0000"/>
-                </a:solidFill>
-                <a:effectLst/>
-                <a:latin typeface="배달의민족 주아" panose="02020603020101020101" pitchFamily="18" charset="-127"/>
-                <a:ea typeface="배달의민족 주아" panose="02020603020101020101" pitchFamily="18" charset="-127"/>
-              </a:rPr>
-              <a:t>b</a:t>
-            </a:r>
-            <a:r>
-              <a:rPr lang="en-US" altLang="ko-KR" sz="2000" b="0" i="0" dirty="0">
-                <a:solidFill>
-                  <a:srgbClr val="FF0000"/>
-                </a:solidFill>
-                <a:effectLst/>
-                <a:latin typeface="배달의민족 주아" panose="02020603020101020101" pitchFamily="18" charset="-127"/>
-                <a:ea typeface="배달의민족 주아" panose="02020603020101020101" pitchFamily="18" charset="-127"/>
-              </a:rPr>
-              <a:t>][</a:t>
-            </a:r>
-            <a:r>
-              <a:rPr lang="en-US" altLang="ko-KR" sz="2000" b="0" i="1" dirty="0">
-                <a:solidFill>
-                  <a:srgbClr val="FF0000"/>
-                </a:solidFill>
-                <a:effectLst/>
-                <a:latin typeface="배달의민족 주아" panose="02020603020101020101" pitchFamily="18" charset="-127"/>
-                <a:ea typeface="배달의민족 주아" panose="02020603020101020101" pitchFamily="18" charset="-127"/>
-              </a:rPr>
-              <a:t>c</a:t>
-            </a:r>
-            <a:r>
-              <a:rPr lang="en-US" altLang="ko-KR" sz="2000" b="0" i="0" dirty="0">
-                <a:solidFill>
-                  <a:srgbClr val="FF0000"/>
-                </a:solidFill>
-                <a:effectLst/>
-                <a:latin typeface="배달의민족 주아" panose="02020603020101020101" pitchFamily="18" charset="-127"/>
-                <a:ea typeface="배달의민족 주아" panose="02020603020101020101" pitchFamily="18" charset="-127"/>
-              </a:rPr>
-              <a:t>];</a:t>
-            </a:r>
-            <a:r>
-              <a:rPr lang="ko-KR" altLang="en-US" sz="2000" b="0" i="0" dirty="0">
-                <a:solidFill>
-                  <a:srgbClr val="FF0000"/>
-                </a:solidFill>
-                <a:effectLst/>
-                <a:latin typeface="배달의민족 주아" panose="02020603020101020101" pitchFamily="18" charset="-127"/>
-                <a:ea typeface="배달의민족 주아" panose="02020603020101020101" pitchFamily="18" charset="-127"/>
-              </a:rPr>
-              <a:t> </a:t>
+                <a:latin typeface="배달의민족 주아" panose="02020603020101020101" pitchFamily="18" charset="-127"/>
+                <a:ea typeface="배달의민족 주아" panose="02020603020101020101" pitchFamily="18" charset="-127"/>
+              </a:rPr>
+              <a:t>cost(current-&gt;next);</a:t>
             </a:r>
             <a:endParaRPr lang="en-US" altLang="ko-KR" sz="2000" b="0" i="0" dirty="0">
               <a:solidFill>
